--- a/data/python_other.pptx
+++ b/data/python_other.pptx
@@ -242,7 +242,7 @@
             <a:fld id="{F2C886A8-3B34-4F59-9996-921328CDA452}" type="datetimeFigureOut">
               <a:rPr lang="ko-KR" altLang="en-US" smtClean="0"/>
               <a:pPr/>
-              <a:t>2017-04-04</a:t>
+              <a:t>2017-04-05</a:t>
             </a:fld>
             <a:endParaRPr lang="ko-KR" altLang="en-US"/>
           </a:p>
@@ -410,7 +410,7 @@
             <a:fld id="{CB35E60D-F1CA-4663-8A94-573EEC285FF9}" type="datetimeFigureOut">
               <a:rPr lang="ko-KR" altLang="en-US" smtClean="0"/>
               <a:pPr/>
-              <a:t>2017-04-04</a:t>
+              <a:t>2017-04-05</a:t>
             </a:fld>
             <a:endParaRPr lang="ko-KR" altLang="en-US"/>
           </a:p>
@@ -4097,9 +4097,6 @@
               </a:rPr>
               <a:t>-</a:t>
             </a:r>
-            <a:endParaRPr lang="en-US" altLang="ko-KR" dirty="0" smtClean="0">
-              <a:latin typeface="Book Antiqua" panose="02040602050305030304" pitchFamily="18" charset="0"/>
-            </a:endParaRPr>
           </a:p>
           <a:p>
             <a:endParaRPr lang="en-US" altLang="ko-KR" dirty="0" smtClean="0">
@@ -4625,7 +4622,11 @@
           <a:p>
             <a:r>
               <a:rPr lang="en-US" altLang="ko-KR" dirty="0" smtClean="0"/>
-              <a:t>For – range</a:t>
+              <a:t>For – </a:t>
+            </a:r>
+            <a:r>
+              <a:rPr lang="en-US" altLang="ko-KR" dirty="0" smtClean="0"/>
+              <a:t>range, enumerate</a:t>
             </a:r>
             <a:endParaRPr lang="ko-KR" altLang="en-US" dirty="0"/>
           </a:p>
@@ -4711,7 +4712,30 @@
             </a:r>
             <a:r>
               <a:rPr lang="ko-KR" altLang="en-US" dirty="0" smtClean="0"/>
-              <a:t>를 반환</a:t>
+              <a:t>를 </a:t>
+            </a:r>
+            <a:r>
+              <a:rPr lang="ko-KR" altLang="en-US" dirty="0" smtClean="0"/>
+              <a:t>반환</a:t>
+            </a:r>
+            <a:endParaRPr lang="en-US" altLang="ko-KR" dirty="0" smtClean="0"/>
+          </a:p>
+          <a:p>
+            <a:r>
+              <a:rPr lang="en-US" altLang="ko-KR" dirty="0" smtClean="0"/>
+              <a:t>Enumerate</a:t>
+            </a:r>
+            <a:r>
+              <a:rPr lang="ko-KR" altLang="en-US" dirty="0" smtClean="0"/>
+              <a:t>는 리스트의 인덱스와 값을 </a:t>
+            </a:r>
+            <a:r>
+              <a:rPr lang="ko-KR" altLang="en-US" dirty="0" err="1" smtClean="0"/>
+              <a:t>튜플로</a:t>
+            </a:r>
+            <a:r>
+              <a:rPr lang="ko-KR" altLang="en-US" dirty="0" smtClean="0"/>
+              <a:t> 반환</a:t>
             </a:r>
             <a:endParaRPr lang="ko-KR" altLang="en-US" dirty="0"/>
           </a:p>
@@ -4719,7 +4743,7 @@
       </p:sp>
       <p:pic>
         <p:nvPicPr>
-          <p:cNvPr id="4" name="그림 3"/>
+          <p:cNvPr id="5" name="그림 4"/>
           <p:cNvPicPr>
             <a:picLocks noChangeAspect="1"/>
           </p:cNvPicPr>
@@ -4733,8 +4757,32 @@
         </p:blipFill>
         <p:spPr>
           <a:xfrm>
-            <a:off x="1809273" y="2275195"/>
-            <a:ext cx="5525453" cy="3828939"/>
+            <a:off x="263080" y="3274828"/>
+            <a:ext cx="3188767" cy="2829306"/>
+          </a:xfrm>
+          <a:prstGeom prst="rect">
+            <a:avLst/>
+          </a:prstGeom>
+        </p:spPr>
+      </p:pic>
+      <p:pic>
+        <p:nvPicPr>
+          <p:cNvPr id="6" name="그림 5"/>
+          <p:cNvPicPr>
+            <a:picLocks noChangeAspect="1"/>
+          </p:cNvPicPr>
+          <p:nvPr/>
+        </p:nvPicPr>
+        <p:blipFill>
+          <a:blip r:embed="rId3"/>
+          <a:stretch>
+            <a:fillRect/>
+          </a:stretch>
+        </p:blipFill>
+        <p:spPr>
+          <a:xfrm>
+            <a:off x="3626591" y="3356933"/>
+            <a:ext cx="5517409" cy="1332548"/>
           </a:xfrm>
           <a:prstGeom prst="rect">
             <a:avLst/>
@@ -7399,11 +7447,7 @@
           <a:p>
             <a:r>
               <a:rPr lang="ko-KR" altLang="en-US" dirty="0" smtClean="0"/>
-              <a:t>오늘의 과제는 </a:t>
-            </a:r>
-            <a:r>
-              <a:rPr lang="ko-KR" altLang="en-US" dirty="0" smtClean="0"/>
-              <a:t>제목에 </a:t>
+              <a:t>오늘의 과제는 제목에 </a:t>
             </a:r>
             <a:r>
               <a:rPr lang="en-US" altLang="ko-KR" dirty="0" smtClean="0"/>
@@ -7432,11 +7476,7 @@
           <a:p>
             <a:r>
               <a:rPr lang="ko-KR" altLang="en-US" dirty="0" smtClean="0"/>
-              <a:t>오늘도 </a:t>
-            </a:r>
-            <a:r>
-              <a:rPr lang="ko-KR" altLang="en-US" dirty="0" smtClean="0"/>
-              <a:t>출석은 과제 제출로 대신합니다</a:t>
+              <a:t>오늘도 출석은 과제 제출로 대신합니다</a:t>
             </a:r>
             <a:r>
               <a:rPr lang="en-US" altLang="ko-KR" dirty="0" smtClean="0"/>
